--- a/lesson-14/lesson-14.pptx
+++ b/lesson-14/lesson-14.pptx
@@ -5,10 +5,10 @@
     <p:sldMasterId id="2147483648" r:id="rId1"/>
   </p:sldMasterIdLst>
   <p:notesMasterIdLst>
-    <p:notesMasterId r:id="rId10"/>
+    <p:notesMasterId r:id="rId12"/>
   </p:notesMasterIdLst>
   <p:handoutMasterIdLst>
-    <p:handoutMasterId r:id="rId11"/>
+    <p:handoutMasterId r:id="rId13"/>
   </p:handoutMasterIdLst>
   <p:sldIdLst>
     <p:sldId id="304" r:id="rId2"/>
@@ -17,8 +17,10 @@
     <p:sldId id="1246" r:id="rId5"/>
     <p:sldId id="1247" r:id="rId6"/>
     <p:sldId id="1248" r:id="rId7"/>
-    <p:sldId id="1240" r:id="rId8"/>
-    <p:sldId id="1071" r:id="rId9"/>
+    <p:sldId id="1249" r:id="rId8"/>
+    <p:sldId id="1240" r:id="rId9"/>
+    <p:sldId id="1250" r:id="rId10"/>
+    <p:sldId id="1071" r:id="rId11"/>
   </p:sldIdLst>
   <p:sldSz cx="9144000" cy="5715000" type="screen16x10"/>
   <p:notesSz cx="6858000" cy="9144000"/>
@@ -337,7 +339,7 @@
           <a:p>
             <a:fld id="{8C964B9E-706D-9244-A1DC-4FB421A588C6}" type="datetimeFigureOut">
               <a:rPr lang="en-US" smtClean="0"/>
-              <a:t>5/27/24</a:t>
+              <a:t>5/28/24</a:t>
             </a:fld>
             <a:endParaRPr lang="en-US" dirty="0"/>
           </a:p>
@@ -503,7 +505,7 @@
           <a:p>
             <a:fld id="{88BC6610-5836-4B43-8846-CBEDBE42B4FC}" type="datetimeFigureOut">
               <a:rPr lang="en-US" smtClean="0"/>
-              <a:t>5/27/24</a:t>
+              <a:t>5/28/24</a:t>
             </a:fld>
             <a:endParaRPr lang="en-US" dirty="0"/>
           </a:p>
@@ -3633,6 +3635,156 @@
 </p:sld>
 </file>
 
+<file path=ppt/slides/slide10.xml><?xml version="1.0" encoding="utf-8"?>
+<p:sld xmlns:a="http://schemas.openxmlformats.org/drawingml/2006/main" xmlns:r="http://schemas.openxmlformats.org/officeDocument/2006/relationships" xmlns:p="http://schemas.openxmlformats.org/presentationml/2006/main">
+  <p:cSld>
+    <p:spTree>
+      <p:nvGrpSpPr>
+        <p:cNvPr id="1" name=""/>
+        <p:cNvGrpSpPr/>
+        <p:nvPr/>
+      </p:nvGrpSpPr>
+      <p:grpSpPr>
+        <a:xfrm>
+          <a:off x="0" y="0"/>
+          <a:ext cx="0" cy="0"/>
+          <a:chOff x="0" y="0"/>
+          <a:chExt cx="0" cy="0"/>
+        </a:xfrm>
+      </p:grpSpPr>
+      <p:sp>
+        <p:nvSpPr>
+          <p:cNvPr id="13" name="标题 12"/>
+          <p:cNvSpPr>
+            <a:spLocks noGrp="1"/>
+          </p:cNvSpPr>
+          <p:nvPr>
+            <p:ph type="title"/>
+          </p:nvPr>
+        </p:nvSpPr>
+        <p:spPr/>
+        <p:txBody>
+          <a:bodyPr/>
+          <a:lstStyle/>
+          <a:p>
+            <a:endParaRPr lang="zh-CN" altLang="en-US" dirty="0"/>
+          </a:p>
+        </p:txBody>
+      </p:sp>
+      <p:sp>
+        <p:nvSpPr>
+          <p:cNvPr id="3" name="内容占位符 2"/>
+          <p:cNvSpPr>
+            <a:spLocks noGrp="1"/>
+          </p:cNvSpPr>
+          <p:nvPr>
+            <p:ph sz="quarter" idx="10"/>
+          </p:nvPr>
+        </p:nvSpPr>
+        <p:spPr/>
+        <p:txBody>
+          <a:bodyPr>
+            <a:normAutofit/>
+          </a:bodyPr>
+          <a:lstStyle/>
+          <a:p>
+            <a:pPr lvl="2"/>
+            <a:endParaRPr lang="en-GB" altLang="zh-CN" dirty="0"/>
+          </a:p>
+          <a:p>
+            <a:pPr marL="0" marR="0" lvl="1" indent="0" algn="l" defTabSz="457200" rtl="0" eaLnBrk="1" fontAlgn="auto" latinLnBrk="0" hangingPunct="1">
+              <a:lnSpc>
+                <a:spcPct val="100000"/>
+              </a:lnSpc>
+              <a:spcBef>
+                <a:spcPct val="20000"/>
+              </a:spcBef>
+              <a:spcAft>
+                <a:spcPts val="0"/>
+              </a:spcAft>
+              <a:buClr>
+                <a:srgbClr val="8C1515"/>
+              </a:buClr>
+              <a:buSzTx/>
+              <a:buNone/>
+              <a:defRPr/>
+            </a:pPr>
+            <a:br>
+              <a:rPr kumimoji="1" lang="en-GB" altLang="zh-CN" dirty="0"/>
+            </a:br>
+            <a:endParaRPr kumimoji="1" lang="zh-CN" altLang="en-US" dirty="0"/>
+          </a:p>
+        </p:txBody>
+      </p:sp>
+      <p:sp>
+        <p:nvSpPr>
+          <p:cNvPr id="14" name="内容占位符 13"/>
+          <p:cNvSpPr>
+            <a:spLocks noGrp="1"/>
+          </p:cNvSpPr>
+          <p:nvPr>
+            <p:ph sz="quarter" idx="11"/>
+          </p:nvPr>
+        </p:nvSpPr>
+        <p:spPr>
+          <a:xfrm>
+            <a:off x="949325" y="2489502"/>
+            <a:ext cx="7707313" cy="2018452"/>
+          </a:xfrm>
+        </p:spPr>
+        <p:txBody>
+          <a:bodyPr>
+            <a:normAutofit/>
+          </a:bodyPr>
+          <a:lstStyle/>
+          <a:p>
+            <a:pPr algn="ctr"/>
+            <a:r>
+              <a:rPr lang="zh-CN" altLang="en-US" sz="4000" dirty="0"/>
+              <a:t>谢谢</a:t>
+            </a:r>
+          </a:p>
+        </p:txBody>
+      </p:sp>
+      <p:sp>
+        <p:nvSpPr>
+          <p:cNvPr id="4" name="灯片编号占位符 3"/>
+          <p:cNvSpPr>
+            <a:spLocks noGrp="1"/>
+          </p:cNvSpPr>
+          <p:nvPr>
+            <p:ph type="sldNum" sz="quarter" idx="4294967295"/>
+          </p:nvPr>
+        </p:nvSpPr>
+        <p:spPr>
+          <a:xfrm>
+            <a:off x="0" y="5345113"/>
+            <a:ext cx="846138" cy="303212"/>
+          </a:xfrm>
+        </p:spPr>
+        <p:txBody>
+          <a:bodyPr/>
+          <a:lstStyle/>
+          <a:p>
+            <a:fld id="{E62723E9-58A5-4D18-81BD-E1D0CC324A1D}" type="slidenum">
+              <a:rPr lang="en-US" smtClean="0"/>
+              <a:t>10</a:t>
+            </a:fld>
+            <a:endParaRPr lang="en-US"/>
+          </a:p>
+        </p:txBody>
+      </p:sp>
+    </p:spTree>
+  </p:cSld>
+  <p:clrMapOvr>
+    <a:masterClrMapping/>
+  </p:clrMapOvr>
+  <p:transition spd="slow">
+    <p:fade/>
+  </p:transition>
+</p:sld>
+</file>
+
 <file path=ppt/slides/slide2.xml><?xml version="1.0" encoding="utf-8"?>
 <p:sld xmlns:a="http://schemas.openxmlformats.org/drawingml/2006/main" xmlns:r="http://schemas.openxmlformats.org/officeDocument/2006/relationships" xmlns:p="http://schemas.openxmlformats.org/presentationml/2006/main">
   <p:cSld>
@@ -6029,22 +6181,9 @@
           <a:lstStyle/>
           <a:p>
             <a:r>
-              <a:rPr lang="en-GB" altLang="zh-CN" i="1" dirty="0">
-                <a:solidFill>
-                  <a:srgbClr val="D97A24"/>
-                </a:solidFill>
-                <a:effectLst/>
-                <a:latin typeface="Helvetica" pitchFamily="2" charset="0"/>
-              </a:rPr>
-              <a:t>SPARQL</a:t>
-            </a:r>
-            <a:endParaRPr lang="en-GB" altLang="zh-CN" dirty="0">
-              <a:solidFill>
-                <a:srgbClr val="D97A24"/>
-              </a:solidFill>
-              <a:effectLst/>
-              <a:latin typeface="Helvetica" pitchFamily="2" charset="0"/>
-            </a:endParaRPr>
+              <a:rPr kumimoji="1" lang="zh-CN" altLang="en-US" dirty="0"/>
+              <a:t>知识图谱存储形式</a:t>
+            </a:r>
           </a:p>
         </p:txBody>
       </p:sp>
@@ -6061,187 +6200,476 @@
         <p:spPr/>
         <p:txBody>
           <a:bodyPr>
-            <a:normAutofit/>
+            <a:normAutofit fontScale="40000" lnSpcReduction="20000"/>
           </a:bodyPr>
           <a:lstStyle/>
           <a:p>
             <a:pPr lvl="1"/>
             <a:r>
-              <a:rPr lang="en-GB" altLang="zh-CN" dirty="0">
-                <a:effectLst/>
-                <a:latin typeface="Helvetica" pitchFamily="2" charset="0"/>
-                <a:hlinkClick r:id="rId2"/>
-              </a:rPr>
-              <a:t>https://ontop-vkg.org/guide/getting-started.html#tutorial</a:t>
-            </a:r>
-            <a:endParaRPr lang="en-GB" altLang="zh-CN" dirty="0">
-              <a:effectLst/>
-              <a:latin typeface="Helvetica" pitchFamily="2" charset="0"/>
-            </a:endParaRPr>
-          </a:p>
-          <a:p>
-            <a:pPr lvl="1"/>
-            <a:r>
-              <a:rPr lang="en-GB" altLang="zh-CN" b="0" i="0" u="none" strike="noStrike" dirty="0">
-                <a:solidFill>
-                  <a:srgbClr val="CA0C16"/>
-                </a:solidFill>
-                <a:effectLst/>
-                <a:highlight>
-                  <a:srgbClr val="FFFFFF"/>
-                </a:highlight>
-                <a:latin typeface="-apple-system"/>
-                <a:hlinkClick r:id="rId3"/>
-              </a:rPr>
-              <a:t>https://sourceforge.net/projects/virtuoso/files/virtuoso/</a:t>
-            </a:r>
-            <a:endParaRPr lang="en-GB" altLang="zh-CN" b="0" i="0" u="none" strike="noStrike" dirty="0">
+              <a:rPr lang="zh-CN" altLang="en-US" sz="4000" b="0" i="0" dirty="0">
+                <a:solidFill>
+                  <a:srgbClr val="212529"/>
+                </a:solidFill>
+                <a:effectLst/>
+                <a:highlight>
+                  <a:srgbClr val="FFFFFF"/>
+                </a:highlight>
+                <a:latin typeface="system-ui"/>
+              </a:rPr>
+              <a:t>nt和ttl以每行一个三元组格式存储的格式使用得比较多，容易处理、存储。</a:t>
+            </a:r>
+            <a:endParaRPr lang="en-US" altLang="zh-CN" sz="4000" b="0" i="0" dirty="0">
               <a:solidFill>
-                <a:srgbClr val="CA0C16"/>
+                <a:srgbClr val="212529"/>
               </a:solidFill>
               <a:effectLst/>
               <a:highlight>
                 <a:srgbClr val="FFFFFF"/>
               </a:highlight>
-              <a:latin typeface="-apple-system"/>
+              <a:latin typeface="system-ui"/>
             </a:endParaRPr>
           </a:p>
           <a:p>
             <a:pPr lvl="1"/>
             <a:r>
-              <a:rPr lang="en-GB" altLang="zh-CN" b="0" i="0" u="none" strike="noStrike" dirty="0">
-                <a:solidFill>
-                  <a:srgbClr val="CA0C16"/>
-                </a:solidFill>
-                <a:effectLst/>
-                <a:highlight>
-                  <a:srgbClr val="FFFFFF"/>
-                </a:highlight>
-                <a:latin typeface="-apple-system"/>
-                <a:hlinkClick r:id="rId4"/>
-              </a:rPr>
-              <a:t>https://neo4j.com/</a:t>
-            </a:r>
-            <a:endParaRPr lang="en-GB" altLang="zh-CN" b="0" i="0" u="none" strike="noStrike" dirty="0">
+              <a:rPr lang="zh-CN" altLang="en-US" sz="4000" b="0" i="0" dirty="0">
+                <a:solidFill>
+                  <a:srgbClr val="212529"/>
+                </a:solidFill>
+                <a:effectLst/>
+                <a:highlight>
+                  <a:srgbClr val="FFFFFF"/>
+                </a:highlight>
+                <a:latin typeface="system-ui"/>
+              </a:rPr>
+              <a:t>RDF格式，不太常用，但是作为一种标准存在，和HTML的形式很类似，并且可以和ttl一样在开头可以定义前缀。</a:t>
+            </a:r>
+            <a:endParaRPr lang="en-US" altLang="zh-CN" sz="4000" b="0" i="0" dirty="0">
               <a:solidFill>
-                <a:srgbClr val="CA0C16"/>
+                <a:srgbClr val="212529"/>
               </a:solidFill>
               <a:effectLst/>
               <a:highlight>
                 <a:srgbClr val="FFFFFF"/>
               </a:highlight>
-              <a:latin typeface="-apple-system"/>
+              <a:latin typeface="system-ui"/>
             </a:endParaRPr>
           </a:p>
           <a:p>
             <a:pPr lvl="1"/>
-            <a:r>
-              <a:rPr lang="en-GB" altLang="zh-CN" b="0" i="0" u="none" strike="noStrike" dirty="0">
-                <a:solidFill>
-                  <a:srgbClr val="CA0C16"/>
-                </a:solidFill>
-                <a:effectLst/>
-                <a:highlight>
-                  <a:srgbClr val="FFFFFF"/>
-                </a:highlight>
-                <a:latin typeface="-apple-system"/>
-                <a:hlinkClick r:id="rId5"/>
-              </a:rPr>
-              <a:t>https://github.com/zhangtao-seu/Jay_KG</a:t>
-            </a:r>
-            <a:endParaRPr lang="en-GB" altLang="zh-CN" b="0" i="0" u="none" strike="noStrike" dirty="0">
+            <a:endParaRPr lang="zh-CN" altLang="en-US" b="0" i="0" dirty="0">
               <a:solidFill>
-                <a:srgbClr val="CA0C16"/>
+                <a:srgbClr val="212529"/>
               </a:solidFill>
               <a:effectLst/>
               <a:highlight>
                 <a:srgbClr val="FFFFFF"/>
               </a:highlight>
-              <a:latin typeface="-apple-system"/>
+              <a:latin typeface="system-ui"/>
             </a:endParaRPr>
           </a:p>
           <a:p>
-            <a:pPr lvl="1"/>
-            <a:r>
-              <a:rPr lang="en-GB" altLang="zh-CN" b="0" i="0" u="none" strike="noStrike" dirty="0">
-                <a:solidFill>
-                  <a:srgbClr val="CA0C16"/>
-                </a:solidFill>
-                <a:effectLst/>
-                <a:highlight>
-                  <a:srgbClr val="FFFFFF"/>
-                </a:highlight>
-                <a:latin typeface="-apple-system"/>
-                <a:hlinkClick r:id="rId6"/>
-              </a:rPr>
-              <a:t>https://protege.stanford.edu/</a:t>
-            </a:r>
-            <a:endParaRPr lang="en-GB" altLang="zh-CN" b="0" i="0" u="none" strike="noStrike" dirty="0">
+            <a:pPr lvl="2"/>
+            <a:r>
+              <a:rPr lang="zh-CN" altLang="en-US" b="0" i="0" dirty="0">
+                <a:solidFill>
+                  <a:srgbClr val="212529"/>
+                </a:solidFill>
+                <a:effectLst/>
+                <a:highlight>
+                  <a:srgbClr val="FFFFFF"/>
+                </a:highlight>
+                <a:latin typeface="system-ui"/>
+              </a:rPr>
+              <a:t>&lt;?xml version="1.0" encoding="utf-8" ?&gt;</a:t>
+            </a:r>
+          </a:p>
+          <a:p>
+            <a:pPr lvl="2"/>
+            <a:r>
+              <a:rPr lang="zh-CN" altLang="en-US" b="0" i="0" dirty="0">
+                <a:solidFill>
+                  <a:srgbClr val="212529"/>
+                </a:solidFill>
+                <a:effectLst/>
+                <a:highlight>
+                  <a:srgbClr val="FFFFFF"/>
+                </a:highlight>
+                <a:latin typeface="system-ui"/>
+              </a:rPr>
+              <a:t>&lt;rdf:RDF xmlns:rdf="http://www.w3.org/1999/02/22-rdf-syntax-ns#"</a:t>
+            </a:r>
+          </a:p>
+          <a:p>
+            <a:pPr lvl="2"/>
+            <a:r>
+              <a:rPr lang="zh-CN" altLang="en-US" b="0" i="0" dirty="0">
+                <a:solidFill>
+                  <a:srgbClr val="212529"/>
+                </a:solidFill>
+                <a:effectLst/>
+                <a:highlight>
+                  <a:srgbClr val="FFFFFF"/>
+                </a:highlight>
+                <a:latin typeface="system-ui"/>
+              </a:rPr>
+              <a:t>         xmlns:foaf="http://xmlns.com/foaf/0.1/"</a:t>
+            </a:r>
+          </a:p>
+          <a:p>
+            <a:pPr lvl="2"/>
+            <a:r>
+              <a:rPr lang="zh-CN" altLang="en-US" b="0" i="0" dirty="0">
+                <a:solidFill>
+                  <a:srgbClr val="212529"/>
+                </a:solidFill>
+                <a:effectLst/>
+                <a:highlight>
+                  <a:srgbClr val="FFFFFF"/>
+                </a:highlight>
+                <a:latin typeface="system-ui"/>
+              </a:rPr>
+              <a:t>         xmlns:rdfs="http://www.w3.org/2000/01/rdf-schema#"</a:t>
+            </a:r>
+          </a:p>
+          <a:p>
+            <a:pPr lvl="2"/>
+            <a:r>
+              <a:rPr lang="zh-CN" altLang="en-US" b="0" i="0" dirty="0">
+                <a:solidFill>
+                  <a:srgbClr val="212529"/>
+                </a:solidFill>
+                <a:effectLst/>
+                <a:highlight>
+                  <a:srgbClr val="FFFFFF"/>
+                </a:highlight>
+                <a:latin typeface="system-ui"/>
+              </a:rPr>
+              <a:t>         xmlns:ns0="http://dbpedia.org/ontology/"</a:t>
+            </a:r>
+          </a:p>
+          <a:p>
+            <a:pPr lvl="2"/>
+            <a:r>
+              <a:rPr lang="zh-CN" altLang="en-US" b="0" i="0" dirty="0">
+                <a:solidFill>
+                  <a:srgbClr val="212529"/>
+                </a:solidFill>
+                <a:effectLst/>
+                <a:highlight>
+                  <a:srgbClr val="FFFFFF"/>
+                </a:highlight>
+                <a:latin typeface="system-ui"/>
+              </a:rPr>
+              <a:t>         xmlns:schema="http://schema.org/"</a:t>
+            </a:r>
+          </a:p>
+          <a:p>
+            <a:pPr lvl="2"/>
+            <a:r>
+              <a:rPr lang="zh-CN" altLang="en-US" b="0" i="0" dirty="0">
+                <a:solidFill>
+                  <a:srgbClr val="212529"/>
+                </a:solidFill>
+                <a:effectLst/>
+                <a:highlight>
+                  <a:srgbClr val="FFFFFF"/>
+                </a:highlight>
+                <a:latin typeface="system-ui"/>
+              </a:rPr>
+              <a:t>         xmlns:geo="http://www.w3.org/2003/01/geo/wgs84_pos#"&gt;</a:t>
+            </a:r>
+          </a:p>
+          <a:p>
+            <a:pPr lvl="2"/>
+            <a:endParaRPr lang="zh-CN" altLang="en-US" b="0" i="0" dirty="0">
               <a:solidFill>
-                <a:srgbClr val="CA0C16"/>
+                <a:srgbClr val="212529"/>
               </a:solidFill>
               <a:effectLst/>
               <a:highlight>
                 <a:srgbClr val="FFFFFF"/>
               </a:highlight>
-              <a:latin typeface="-apple-system"/>
+              <a:latin typeface="system-ui"/>
             </a:endParaRPr>
           </a:p>
           <a:p>
-            <a:pPr lvl="1"/>
-            <a:r>
-              <a:rPr lang="en-GB" altLang="zh-CN" dirty="0">
-                <a:solidFill>
-                  <a:srgbClr val="CA0C16"/>
-                </a:solidFill>
-                <a:highlight>
-                  <a:srgbClr val="FFFFFF"/>
-                </a:highlight>
-                <a:latin typeface="-apple-system"/>
-                <a:hlinkClick r:id="rId7"/>
-              </a:rPr>
-              <a:t>http://www.360doc.com/content/24/0510/05/46368139_1122854130.shtml</a:t>
-            </a:r>
-            <a:endParaRPr lang="en-GB" altLang="zh-CN" dirty="0">
+            <a:pPr lvl="2"/>
+            <a:r>
+              <a:rPr lang="zh-CN" altLang="en-US" b="0" i="0" dirty="0">
+                <a:solidFill>
+                  <a:srgbClr val="212529"/>
+                </a:solidFill>
+                <a:effectLst/>
+                <a:highlight>
+                  <a:srgbClr val="FFFFFF"/>
+                </a:highlight>
+                <a:latin typeface="system-ui"/>
+              </a:rPr>
+              <a:t>  &lt;foaf:Person rdf:about="http://dbpedia.org/resource/Bob_Marley"&gt;</a:t>
+            </a:r>
+          </a:p>
+          <a:p>
+            <a:pPr lvl="2"/>
+            <a:r>
+              <a:rPr lang="zh-CN" altLang="en-US" b="0" i="0" dirty="0">
+                <a:solidFill>
+                  <a:srgbClr val="212529"/>
+                </a:solidFill>
+                <a:effectLst/>
+                <a:highlight>
+                  <a:srgbClr val="FFFFFF"/>
+                </a:highlight>
+                <a:latin typeface="system-ui"/>
+              </a:rPr>
+              <a:t>    &lt;rdfs:label xml:lang="en"&gt;Bob Marley&lt;/rdfs:label&gt;</a:t>
+            </a:r>
+          </a:p>
+          <a:p>
+            <a:pPr lvl="2"/>
+            <a:r>
+              <a:rPr lang="zh-CN" altLang="en-US" b="0" i="0" dirty="0">
+                <a:solidFill>
+                  <a:srgbClr val="212529"/>
+                </a:solidFill>
+                <a:effectLst/>
+                <a:highlight>
+                  <a:srgbClr val="FFFFFF"/>
+                </a:highlight>
+                <a:latin typeface="system-ui"/>
+              </a:rPr>
+              <a:t>    &lt;rdfs:label xml:lang="fr"&gt;Bob Marley&lt;/rdfs:label&gt;</a:t>
+            </a:r>
+          </a:p>
+          <a:p>
+            <a:pPr lvl="2"/>
+            <a:r>
+              <a:rPr lang="zh-CN" altLang="en-US" b="0" i="0" dirty="0">
+                <a:solidFill>
+                  <a:srgbClr val="212529"/>
+                </a:solidFill>
+                <a:effectLst/>
+                <a:highlight>
+                  <a:srgbClr val="FFFFFF"/>
+                </a:highlight>
+                <a:latin typeface="system-ui"/>
+              </a:rPr>
+              <a:t>    &lt;rdfs:seeAlso rdf:resource="http://dbpedia.org/resource/Rastafari"/&gt;</a:t>
+            </a:r>
+          </a:p>
+          <a:p>
+            <a:pPr lvl="2"/>
+            <a:r>
+              <a:rPr lang="zh-CN" altLang="en-US" b="0" i="0" dirty="0">
+                <a:solidFill>
+                  <a:srgbClr val="212529"/>
+                </a:solidFill>
+                <a:effectLst/>
+                <a:highlight>
+                  <a:srgbClr val="FFFFFF"/>
+                </a:highlight>
+                <a:latin typeface="system-ui"/>
+              </a:rPr>
+              <a:t>    &lt;ns0:birthPlace&gt;</a:t>
+            </a:r>
+          </a:p>
+          <a:p>
+            <a:pPr lvl="2"/>
+            <a:r>
+              <a:rPr lang="zh-CN" altLang="en-US" b="0" i="0" dirty="0">
+                <a:solidFill>
+                  <a:srgbClr val="212529"/>
+                </a:solidFill>
+                <a:effectLst/>
+                <a:highlight>
+                  <a:srgbClr val="FFFFFF"/>
+                </a:highlight>
+                <a:latin typeface="system-ui"/>
+              </a:rPr>
+              <a:t>      &lt;schema:Country rdf:about="http://dbpedia.org/resource/Jamaica"&gt;</a:t>
+            </a:r>
+          </a:p>
+          <a:p>
+            <a:pPr lvl="2"/>
+            <a:r>
+              <a:rPr lang="zh-CN" altLang="en-US" b="0" i="0" dirty="0">
+                <a:solidFill>
+                  <a:srgbClr val="212529"/>
+                </a:solidFill>
+                <a:effectLst/>
+                <a:highlight>
+                  <a:srgbClr val="FFFFFF"/>
+                </a:highlight>
+                <a:latin typeface="system-ui"/>
+              </a:rPr>
+              <a:t>        &lt;rdfs:label xml:lang="en"&gt;Jamaica&lt;/rdfs:label&gt;</a:t>
+            </a:r>
+          </a:p>
+          <a:p>
+            <a:pPr lvl="2"/>
+            <a:r>
+              <a:rPr lang="zh-CN" altLang="en-US" b="0" i="0" dirty="0">
+                <a:solidFill>
+                  <a:srgbClr val="212529"/>
+                </a:solidFill>
+                <a:effectLst/>
+                <a:highlight>
+                  <a:srgbClr val="FFFFFF"/>
+                </a:highlight>
+                <a:latin typeface="system-ui"/>
+              </a:rPr>
+              <a:t>        &lt;rdfs:label xml:lang="it"&gt;Giamaica&lt;/rdfs:label&gt;</a:t>
+            </a:r>
+          </a:p>
+          <a:p>
+            <a:pPr lvl="2"/>
+            <a:r>
+              <a:rPr lang="zh-CN" altLang="en-US" b="0" i="0" dirty="0">
+                <a:solidFill>
+                  <a:srgbClr val="212529"/>
+                </a:solidFill>
+                <a:effectLst/>
+                <a:highlight>
+                  <a:srgbClr val="FFFFFF"/>
+                </a:highlight>
+                <a:latin typeface="system-ui"/>
+              </a:rPr>
+              <a:t>        &lt;geo:lat rdf:datatype="http://www.w3.org/2001/XMLSchema#float"&gt;17.9833&lt;/geo:lat&gt;</a:t>
+            </a:r>
+          </a:p>
+          <a:p>
+            <a:pPr lvl="2"/>
+            <a:r>
+              <a:rPr lang="zh-CN" altLang="en-US" b="0" i="0" dirty="0">
+                <a:solidFill>
+                  <a:srgbClr val="212529"/>
+                </a:solidFill>
+                <a:effectLst/>
+                <a:highlight>
+                  <a:srgbClr val="FFFFFF"/>
+                </a:highlight>
+                <a:latin typeface="system-ui"/>
+              </a:rPr>
+              <a:t>        &lt;geo:long rdf:datatype="http://www.w3.org/2001/XMLSchema#float"&gt;-76.8&lt;/geo:long&gt;</a:t>
+            </a:r>
+          </a:p>
+          <a:p>
+            <a:pPr lvl="2"/>
+            <a:r>
+              <a:rPr lang="zh-CN" altLang="en-US" b="0" i="0" dirty="0">
+                <a:solidFill>
+                  <a:srgbClr val="212529"/>
+                </a:solidFill>
+                <a:effectLst/>
+                <a:highlight>
+                  <a:srgbClr val="FFFFFF"/>
+                </a:highlight>
+                <a:latin typeface="system-ui"/>
+              </a:rPr>
+              <a:t>        &lt;foaf:homepage rdf:resource="http://jis.gov.jm/"/&gt;</a:t>
+            </a:r>
+          </a:p>
+          <a:p>
+            <a:pPr lvl="2"/>
+            <a:r>
+              <a:rPr lang="zh-CN" altLang="en-US" b="0" i="0" dirty="0">
+                <a:solidFill>
+                  <a:srgbClr val="212529"/>
+                </a:solidFill>
+                <a:effectLst/>
+                <a:highlight>
+                  <a:srgbClr val="FFFFFF"/>
+                </a:highlight>
+                <a:latin typeface="system-ui"/>
+              </a:rPr>
+              <a:t>      &lt;/schema:Country&gt;</a:t>
+            </a:r>
+          </a:p>
+          <a:p>
+            <a:pPr lvl="2"/>
+            <a:r>
+              <a:rPr lang="zh-CN" altLang="en-US" b="0" i="0" dirty="0">
+                <a:solidFill>
+                  <a:srgbClr val="212529"/>
+                </a:solidFill>
+                <a:effectLst/>
+                <a:highlight>
+                  <a:srgbClr val="FFFFFF"/>
+                </a:highlight>
+                <a:latin typeface="system-ui"/>
+              </a:rPr>
+              <a:t>    &lt;/ns0:birthPlace&gt;</a:t>
+            </a:r>
+          </a:p>
+          <a:p>
+            <a:pPr lvl="2"/>
+            <a:endParaRPr lang="zh-CN" altLang="en-US" b="0" i="0" dirty="0">
               <a:solidFill>
-                <a:srgbClr val="CA0C16"/>
-              </a:solidFill>
-              <a:highlight>
-                <a:srgbClr val="FFFFFF"/>
-              </a:highlight>
-              <a:latin typeface="-apple-system"/>
-            </a:endParaRPr>
-          </a:p>
-          <a:p>
-            <a:pPr lvl="1"/>
-            <a:endParaRPr lang="en-GB" altLang="zh-CN" dirty="0">
-              <a:solidFill>
-                <a:srgbClr val="CA0C16"/>
-              </a:solidFill>
-              <a:highlight>
-                <a:srgbClr val="FFFFFF"/>
-              </a:highlight>
-              <a:latin typeface="-apple-system"/>
-            </a:endParaRPr>
-          </a:p>
-          <a:p>
-            <a:pPr lvl="1"/>
-            <a:endParaRPr lang="en-GB" altLang="zh-CN" b="0" i="0" u="none" strike="noStrike" dirty="0">
-              <a:solidFill>
-                <a:srgbClr val="CA0C16"/>
+                <a:srgbClr val="212529"/>
               </a:solidFill>
               <a:effectLst/>
               <a:highlight>
                 <a:srgbClr val="FFFFFF"/>
               </a:highlight>
-              <a:latin typeface="-apple-system"/>
+              <a:latin typeface="system-ui"/>
             </a:endParaRPr>
           </a:p>
           <a:p>
+            <a:pPr lvl="2"/>
+            <a:r>
+              <a:rPr lang="zh-CN" altLang="en-US" b="0" i="0" dirty="0">
+                <a:solidFill>
+                  <a:srgbClr val="212529"/>
+                </a:solidFill>
+                <a:effectLst/>
+                <a:highlight>
+                  <a:srgbClr val="FFFFFF"/>
+                </a:highlight>
+                <a:latin typeface="system-ui"/>
+              </a:rPr>
+              <a:t>  &lt;/foaf:Person&gt;</a:t>
+            </a:r>
+          </a:p>
+          <a:p>
+            <a:pPr lvl="2"/>
+            <a:endParaRPr lang="zh-CN" altLang="en-US" b="0" i="0" dirty="0">
+              <a:solidFill>
+                <a:srgbClr val="212529"/>
+              </a:solidFill>
+              <a:effectLst/>
+              <a:highlight>
+                <a:srgbClr val="FFFFFF"/>
+              </a:highlight>
+              <a:latin typeface="system-ui"/>
+            </a:endParaRPr>
+          </a:p>
+          <a:p>
+            <a:pPr lvl="2"/>
+            <a:r>
+              <a:rPr lang="zh-CN" altLang="en-US" b="0" i="0" dirty="0">
+                <a:solidFill>
+                  <a:srgbClr val="212529"/>
+                </a:solidFill>
+                <a:effectLst/>
+                <a:highlight>
+                  <a:srgbClr val="FFFFFF"/>
+                </a:highlight>
+                <a:latin typeface="system-ui"/>
+              </a:rPr>
+              <a:t>&lt;/rdf:RDF&gt;</a:t>
+            </a:r>
+          </a:p>
+          <a:p>
             <a:pPr lvl="1"/>
-            <a:endParaRPr lang="en-GB" altLang="zh-CN" dirty="0">
+            <a:endParaRPr lang="zh-CN" altLang="en-US" b="0" i="0" dirty="0">
+              <a:solidFill>
+                <a:srgbClr val="212529"/>
+              </a:solidFill>
               <a:effectLst/>
-              <a:latin typeface="Helvetica" pitchFamily="2" charset="0"/>
+              <a:highlight>
+                <a:srgbClr val="FFFFFF"/>
+              </a:highlight>
+              <a:latin typeface="system-ui"/>
             </a:endParaRPr>
           </a:p>
         </p:txBody>
@@ -6270,6 +6698,11 @@
         </p:txBody>
       </p:sp>
     </p:spTree>
+    <p:extLst>
+      <p:ext uri="{BB962C8B-B14F-4D97-AF65-F5344CB8AC3E}">
+        <p14:creationId xmlns:p14="http://schemas.microsoft.com/office/powerpoint/2010/main" val="4146708387"/>
+      </p:ext>
+    </p:extLst>
   </p:cSld>
   <p:clrMapOvr>
     <a:masterClrMapping/>
@@ -6299,7 +6732,7 @@
       </p:grpSpPr>
       <p:sp>
         <p:nvSpPr>
-          <p:cNvPr id="13" name="标题 12"/>
+          <p:cNvPr id="2" name="标题 1"/>
           <p:cNvSpPr>
             <a:spLocks noGrp="1"/>
           </p:cNvSpPr>
@@ -6309,10 +6742,48 @@
         </p:nvSpPr>
         <p:spPr/>
         <p:txBody>
-          <a:bodyPr/>
+          <a:bodyPr>
+            <a:normAutofit/>
+          </a:bodyPr>
           <a:lstStyle/>
           <a:p>
-            <a:endParaRPr lang="zh-CN" altLang="en-US" dirty="0"/>
+            <a:r>
+              <a:rPr lang="en-GB" altLang="zh-CN" i="1" dirty="0">
+                <a:solidFill>
+                  <a:srgbClr val="D97A24"/>
+                </a:solidFill>
+                <a:effectLst/>
+                <a:latin typeface="Helvetica" pitchFamily="2" charset="0"/>
+              </a:rPr>
+              <a:t>Neo</a:t>
+            </a:r>
+            <a:r>
+              <a:rPr lang="en-US" altLang="zh-CN" i="1" dirty="0">
+                <a:solidFill>
+                  <a:srgbClr val="D97A24"/>
+                </a:solidFill>
+                <a:effectLst/>
+                <a:latin typeface="Helvetica" pitchFamily="2" charset="0"/>
+              </a:rPr>
+              <a:t>4j-cyper-</a:t>
+            </a:r>
+            <a:r>
+              <a:rPr lang="en-GB" altLang="zh-CN" i="1" dirty="0">
+                <a:solidFill>
+                  <a:srgbClr val="D97A24"/>
+                </a:solidFill>
+                <a:effectLst/>
+                <a:latin typeface="Helvetica" pitchFamily="2" charset="0"/>
+              </a:rPr>
+              <a:t>SPARQL</a:t>
+            </a:r>
+            <a:endParaRPr lang="en-GB" altLang="zh-CN" dirty="0">
+              <a:solidFill>
+                <a:srgbClr val="D97A24"/>
+              </a:solidFill>
+              <a:effectLst/>
+              <a:latin typeface="Helvetica" pitchFamily="2" charset="0"/>
+            </a:endParaRPr>
           </a:p>
         </p:txBody>
       </p:sp>
@@ -6333,61 +6804,184 @@
           </a:bodyPr>
           <a:lstStyle/>
           <a:p>
-            <a:pPr lvl="2"/>
-            <a:endParaRPr lang="en-GB" altLang="zh-CN" dirty="0"/>
-          </a:p>
-          <a:p>
-            <a:pPr marL="0" marR="0" lvl="1" indent="0" algn="l" defTabSz="457200" rtl="0" eaLnBrk="1" fontAlgn="auto" latinLnBrk="0" hangingPunct="1">
-              <a:lnSpc>
-                <a:spcPct val="100000"/>
-              </a:lnSpc>
-              <a:spcBef>
-                <a:spcPct val="20000"/>
-              </a:spcBef>
-              <a:spcAft>
-                <a:spcPts val="0"/>
-              </a:spcAft>
-              <a:buClr>
-                <a:srgbClr val="8C1515"/>
-              </a:buClr>
-              <a:buSzTx/>
-              <a:buNone/>
-              <a:defRPr/>
-            </a:pPr>
-            <a:br>
-              <a:rPr kumimoji="1" lang="en-GB" altLang="zh-CN" dirty="0"/>
-            </a:br>
-            <a:endParaRPr kumimoji="1" lang="zh-CN" altLang="en-US" dirty="0"/>
-          </a:p>
-        </p:txBody>
-      </p:sp>
-      <p:sp>
-        <p:nvSpPr>
-          <p:cNvPr id="14" name="内容占位符 13"/>
-          <p:cNvSpPr>
-            <a:spLocks noGrp="1"/>
-          </p:cNvSpPr>
-          <p:nvPr>
-            <p:ph sz="quarter" idx="11"/>
-          </p:nvPr>
-        </p:nvSpPr>
-        <p:spPr>
-          <a:xfrm>
-            <a:off x="949325" y="2489502"/>
-            <a:ext cx="7707313" cy="2018452"/>
-          </a:xfrm>
-        </p:spPr>
-        <p:txBody>
-          <a:bodyPr>
-            <a:normAutofit/>
-          </a:bodyPr>
-          <a:lstStyle/>
-          <a:p>
-            <a:pPr algn="ctr"/>
-            <a:r>
-              <a:rPr lang="zh-CN" altLang="en-US" sz="4000" dirty="0"/>
-              <a:t>谢谢</a:t>
-            </a:r>
+            <a:pPr lvl="1"/>
+            <a:r>
+              <a:rPr lang="en-GB" altLang="zh-CN" dirty="0">
+                <a:effectLst/>
+                <a:latin typeface="Helvetica" pitchFamily="2" charset="0"/>
+                <a:hlinkClick r:id="rId2"/>
+              </a:rPr>
+              <a:t>https://ontop-vkg.org/guide/getting-started.html#tutorial</a:t>
+            </a:r>
+            <a:endParaRPr lang="en-GB" altLang="zh-CN" dirty="0">
+              <a:effectLst/>
+              <a:latin typeface="Helvetica" pitchFamily="2" charset="0"/>
+            </a:endParaRPr>
+          </a:p>
+          <a:p>
+            <a:pPr lvl="1"/>
+            <a:r>
+              <a:rPr lang="en-GB" altLang="zh-CN" b="0" i="0" u="none" strike="noStrike" dirty="0">
+                <a:solidFill>
+                  <a:srgbClr val="CA0C16"/>
+                </a:solidFill>
+                <a:effectLst/>
+                <a:highlight>
+                  <a:srgbClr val="FFFFFF"/>
+                </a:highlight>
+                <a:latin typeface="-apple-system"/>
+                <a:hlinkClick r:id="rId3"/>
+              </a:rPr>
+              <a:t>https://sourceforge.net/projects/virtuoso/files/virtuoso/</a:t>
+            </a:r>
+            <a:endParaRPr lang="en-GB" altLang="zh-CN" b="0" i="0" u="none" strike="noStrike" dirty="0">
+              <a:solidFill>
+                <a:srgbClr val="CA0C16"/>
+              </a:solidFill>
+              <a:effectLst/>
+              <a:highlight>
+                <a:srgbClr val="FFFFFF"/>
+              </a:highlight>
+              <a:latin typeface="-apple-system"/>
+            </a:endParaRPr>
+          </a:p>
+          <a:p>
+            <a:pPr lvl="1"/>
+            <a:r>
+              <a:rPr lang="en-GB" altLang="zh-CN" b="0" i="0" u="none" strike="noStrike" dirty="0">
+                <a:solidFill>
+                  <a:srgbClr val="CA0C16"/>
+                </a:solidFill>
+                <a:effectLst/>
+                <a:highlight>
+                  <a:srgbClr val="FFFFFF"/>
+                </a:highlight>
+                <a:latin typeface="-apple-system"/>
+                <a:hlinkClick r:id="rId4"/>
+              </a:rPr>
+              <a:t>https://neo4j.com/</a:t>
+            </a:r>
+            <a:endParaRPr lang="en-GB" altLang="zh-CN" b="0" i="0" u="none" strike="noStrike" dirty="0">
+              <a:solidFill>
+                <a:srgbClr val="CA0C16"/>
+              </a:solidFill>
+              <a:effectLst/>
+              <a:highlight>
+                <a:srgbClr val="FFFFFF"/>
+              </a:highlight>
+              <a:latin typeface="-apple-system"/>
+            </a:endParaRPr>
+          </a:p>
+          <a:p>
+            <a:pPr lvl="1"/>
+            <a:r>
+              <a:rPr lang="en-GB" altLang="zh-CN" b="0" i="0" u="none" strike="noStrike" dirty="0">
+                <a:solidFill>
+                  <a:srgbClr val="CA0C16"/>
+                </a:solidFill>
+                <a:effectLst/>
+                <a:highlight>
+                  <a:srgbClr val="FFFFFF"/>
+                </a:highlight>
+                <a:latin typeface="-apple-system"/>
+                <a:hlinkClick r:id="rId5"/>
+              </a:rPr>
+              <a:t>https://github.com/zhangtao-seu/Jay_KG</a:t>
+            </a:r>
+            <a:endParaRPr lang="en-GB" altLang="zh-CN" b="0" i="0" u="none" strike="noStrike" dirty="0">
+              <a:solidFill>
+                <a:srgbClr val="CA0C16"/>
+              </a:solidFill>
+              <a:effectLst/>
+              <a:highlight>
+                <a:srgbClr val="FFFFFF"/>
+              </a:highlight>
+              <a:latin typeface="-apple-system"/>
+            </a:endParaRPr>
+          </a:p>
+          <a:p>
+            <a:pPr lvl="1"/>
+            <a:r>
+              <a:rPr lang="en-GB" altLang="zh-CN" b="0" i="0" u="none" strike="noStrike" dirty="0">
+                <a:solidFill>
+                  <a:srgbClr val="CA0C16"/>
+                </a:solidFill>
+                <a:effectLst/>
+                <a:highlight>
+                  <a:srgbClr val="FFFFFF"/>
+                </a:highlight>
+                <a:latin typeface="-apple-system"/>
+                <a:hlinkClick r:id="rId6"/>
+              </a:rPr>
+              <a:t>https://protege.stanford.edu/</a:t>
+            </a:r>
+            <a:endParaRPr lang="en-GB" altLang="zh-CN" b="0" i="0" u="none" strike="noStrike" dirty="0">
+              <a:solidFill>
+                <a:srgbClr val="CA0C16"/>
+              </a:solidFill>
+              <a:effectLst/>
+              <a:highlight>
+                <a:srgbClr val="FFFFFF"/>
+              </a:highlight>
+              <a:latin typeface="-apple-system"/>
+            </a:endParaRPr>
+          </a:p>
+          <a:p>
+            <a:pPr lvl="1"/>
+            <a:r>
+              <a:rPr lang="en-GB" altLang="zh-CN" dirty="0">
+                <a:solidFill>
+                  <a:srgbClr val="CA0C16"/>
+                </a:solidFill>
+                <a:highlight>
+                  <a:srgbClr val="FFFFFF"/>
+                </a:highlight>
+                <a:latin typeface="-apple-system"/>
+                <a:hlinkClick r:id="rId7"/>
+              </a:rPr>
+              <a:t>http://www.360doc.com/content/24/0510/05/46368139_1122854130.shtml</a:t>
+            </a:r>
+            <a:endParaRPr lang="en-GB" altLang="zh-CN" dirty="0">
+              <a:solidFill>
+                <a:srgbClr val="CA0C16"/>
+              </a:solidFill>
+              <a:highlight>
+                <a:srgbClr val="FFFFFF"/>
+              </a:highlight>
+              <a:latin typeface="-apple-system"/>
+            </a:endParaRPr>
+          </a:p>
+          <a:p>
+            <a:pPr lvl="1"/>
+            <a:endParaRPr lang="en-GB" altLang="zh-CN" dirty="0">
+              <a:solidFill>
+                <a:srgbClr val="CA0C16"/>
+              </a:solidFill>
+              <a:highlight>
+                <a:srgbClr val="FFFFFF"/>
+              </a:highlight>
+              <a:latin typeface="-apple-system"/>
+            </a:endParaRPr>
+          </a:p>
+          <a:p>
+            <a:pPr lvl="1"/>
+            <a:endParaRPr lang="en-GB" altLang="zh-CN" b="0" i="0" u="none" strike="noStrike" dirty="0">
+              <a:solidFill>
+                <a:srgbClr val="CA0C16"/>
+              </a:solidFill>
+              <a:effectLst/>
+              <a:highlight>
+                <a:srgbClr val="FFFFFF"/>
+              </a:highlight>
+              <a:latin typeface="-apple-system"/>
+            </a:endParaRPr>
+          </a:p>
+          <a:p>
+            <a:pPr lvl="1"/>
+            <a:endParaRPr lang="en-GB" altLang="zh-CN" dirty="0">
+              <a:effectLst/>
+              <a:latin typeface="Helvetica" pitchFamily="2" charset="0"/>
+            </a:endParaRPr>
           </a:p>
         </p:txBody>
       </p:sp>
@@ -6398,15 +6992,10 @@
             <a:spLocks noGrp="1"/>
           </p:cNvSpPr>
           <p:nvPr>
-            <p:ph type="sldNum" sz="quarter" idx="4294967295"/>
+            <p:ph type="sldNum" sz="quarter" idx="11"/>
           </p:nvPr>
         </p:nvSpPr>
-        <p:spPr>
-          <a:xfrm>
-            <a:off x="0" y="5345113"/>
-            <a:ext cx="846138" cy="303212"/>
-          </a:xfrm>
-        </p:spPr>
+        <p:spPr/>
         <p:txBody>
           <a:bodyPr/>
           <a:lstStyle/>
@@ -6420,6 +7009,133 @@
         </p:txBody>
       </p:sp>
     </p:spTree>
+  </p:cSld>
+  <p:clrMapOvr>
+    <a:masterClrMapping/>
+  </p:clrMapOvr>
+  <p:transition spd="slow">
+    <p:fade/>
+  </p:transition>
+</p:sld>
+</file>
+
+<file path=ppt/slides/slide9.xml><?xml version="1.0" encoding="utf-8"?>
+<p:sld xmlns:a="http://schemas.openxmlformats.org/drawingml/2006/main" xmlns:r="http://schemas.openxmlformats.org/officeDocument/2006/relationships" xmlns:p="http://schemas.openxmlformats.org/presentationml/2006/main">
+  <p:cSld>
+    <p:spTree>
+      <p:nvGrpSpPr>
+        <p:cNvPr id="1" name=""/>
+        <p:cNvGrpSpPr/>
+        <p:nvPr/>
+      </p:nvGrpSpPr>
+      <p:grpSpPr>
+        <a:xfrm>
+          <a:off x="0" y="0"/>
+          <a:ext cx="0" cy="0"/>
+          <a:chOff x="0" y="0"/>
+          <a:chExt cx="0" cy="0"/>
+        </a:xfrm>
+      </p:grpSpPr>
+      <p:sp>
+        <p:nvSpPr>
+          <p:cNvPr id="2" name="标题 1">
+            <a:extLst>
+              <a:ext uri="{FF2B5EF4-FFF2-40B4-BE49-F238E27FC236}">
+                <a16:creationId xmlns:a16="http://schemas.microsoft.com/office/drawing/2014/main" id="{CBEE8D2A-2CDB-4F0A-4926-1D500A872577}"/>
+              </a:ext>
+            </a:extLst>
+          </p:cNvPr>
+          <p:cNvSpPr>
+            <a:spLocks noGrp="1"/>
+          </p:cNvSpPr>
+          <p:nvPr>
+            <p:ph type="title"/>
+          </p:nvPr>
+        </p:nvSpPr>
+        <p:spPr/>
+        <p:txBody>
+          <a:bodyPr/>
+          <a:lstStyle/>
+          <a:p>
+            <a:endParaRPr kumimoji="1" lang="zh-CN" altLang="en-US"/>
+          </a:p>
+        </p:txBody>
+      </p:sp>
+      <p:sp>
+        <p:nvSpPr>
+          <p:cNvPr id="3" name="内容占位符 2">
+            <a:extLst>
+              <a:ext uri="{FF2B5EF4-FFF2-40B4-BE49-F238E27FC236}">
+                <a16:creationId xmlns:a16="http://schemas.microsoft.com/office/drawing/2014/main" id="{761B8CA8-5CAB-FB91-D0F0-E8A2A279F41D}"/>
+              </a:ext>
+            </a:extLst>
+          </p:cNvPr>
+          <p:cNvSpPr>
+            <a:spLocks noGrp="1"/>
+          </p:cNvSpPr>
+          <p:nvPr>
+            <p:ph sz="quarter" idx="10"/>
+          </p:nvPr>
+        </p:nvSpPr>
+        <p:spPr>
+          <a:xfrm>
+            <a:off x="955675" y="2377440"/>
+            <a:ext cx="7700963" cy="2808923"/>
+          </a:xfrm>
+        </p:spPr>
+        <p:txBody>
+          <a:bodyPr>
+            <a:normAutofit/>
+          </a:bodyPr>
+          <a:lstStyle/>
+          <a:p>
+            <a:pPr algn="ctr"/>
+            <a:r>
+              <a:rPr kumimoji="1" lang="en-US" altLang="zh-CN" sz="3600" dirty="0"/>
+              <a:t>Neo4j</a:t>
+            </a:r>
+            <a:r>
+              <a:rPr kumimoji="1" lang="zh-CN" altLang="en-US" sz="3600" dirty="0"/>
+              <a:t>图谱构建练习</a:t>
+            </a:r>
+          </a:p>
+        </p:txBody>
+      </p:sp>
+      <p:sp>
+        <p:nvSpPr>
+          <p:cNvPr id="4" name="灯片编号占位符 3">
+            <a:extLst>
+              <a:ext uri="{FF2B5EF4-FFF2-40B4-BE49-F238E27FC236}">
+                <a16:creationId xmlns:a16="http://schemas.microsoft.com/office/drawing/2014/main" id="{28C5857F-8B25-379F-18DC-EEFE0BD9C2BA}"/>
+              </a:ext>
+            </a:extLst>
+          </p:cNvPr>
+          <p:cNvSpPr>
+            <a:spLocks noGrp="1"/>
+          </p:cNvSpPr>
+          <p:nvPr>
+            <p:ph type="sldNum" sz="quarter" idx="11"/>
+          </p:nvPr>
+        </p:nvSpPr>
+        <p:spPr/>
+        <p:txBody>
+          <a:bodyPr/>
+          <a:lstStyle/>
+          <a:p>
+            <a:fld id="{E62723E9-58A5-4D18-81BD-E1D0CC324A1D}" type="slidenum">
+              <a:rPr lang="en-US" smtClean="0"/>
+              <a:t>9</a:t>
+            </a:fld>
+            <a:endParaRPr lang="en-US"/>
+          </a:p>
+        </p:txBody>
+      </p:sp>
+    </p:spTree>
+    <p:extLst>
+      <p:ext uri="{BB962C8B-B14F-4D97-AF65-F5344CB8AC3E}">
+        <p14:creationId xmlns:p14="http://schemas.microsoft.com/office/powerpoint/2010/main" val="4246652050"/>
+      </p:ext>
+    </p:extLst>
   </p:cSld>
   <p:clrMapOvr>
     <a:masterClrMapping/>
